--- a/1. Fundamental Of Cloud API/Fundamentals_of_Cloud_APIs.pptx
+++ b/1. Fundamental Of Cloud API/Fundamentals_of_Cloud_APIs.pptx
@@ -5,7 +5,7 @@
     <p:sldMasterId id="2147483766" r:id="rId1"/>
   </p:sldMasterIdLst>
   <p:notesMasterIdLst>
-    <p:notesMasterId r:id="rId35"/>
+    <p:notesMasterId r:id="rId36"/>
   </p:notesMasterIdLst>
   <p:sldIdLst>
     <p:sldId id="256" r:id="rId2"/>
@@ -41,6 +41,7 @@
     <p:sldId id="288" r:id="rId32"/>
     <p:sldId id="289" r:id="rId33"/>
     <p:sldId id="290" r:id="rId34"/>
+    <p:sldId id="297" r:id="rId35"/>
   </p:sldIdLst>
   <p:sldSz cx="9144000" cy="6858000" type="screen4x3"/>
   <p:notesSz cx="6858000" cy="9144000"/>
@@ -4511,7 +4512,7 @@
           <a:p>
             <a:fld id="{BD68076A-D574-4B7D-875D-684B42DBFA0E}" type="datetimeFigureOut">
               <a:rPr lang="en-US" smtClean="0"/>
-              <a:t>7/30/2025</a:t>
+              <a:t>8/17/2025</a:t>
             </a:fld>
             <a:endParaRPr lang="en-US"/>
           </a:p>
@@ -5656,7 +5657,7 @@
           <a:p>
             <a:fld id="{910BC921-16B9-4F28-B721-048C2ED429FD}" type="datetime1">
               <a:rPr lang="en-US" smtClean="0"/>
-              <a:t>7/30/2025</a:t>
+              <a:t>8/17/2025</a:t>
             </a:fld>
             <a:endParaRPr lang="en-US"/>
           </a:p>
@@ -5907,7 +5908,7 @@
           <a:p>
             <a:fld id="{23CABA7F-8F4E-470C-960C-1040A481FFED}" type="datetime1">
               <a:rPr lang="en-US" smtClean="0"/>
-              <a:t>7/30/2025</a:t>
+              <a:t>8/17/2025</a:t>
             </a:fld>
             <a:endParaRPr lang="en-US"/>
           </a:p>
@@ -6221,7 +6222,7 @@
           <a:p>
             <a:fld id="{02E2F0F4-ECEB-47D3-8494-9F89F061E9B9}" type="datetime1">
               <a:rPr lang="en-US" smtClean="0"/>
-              <a:t>7/30/2025</a:t>
+              <a:t>8/17/2025</a:t>
             </a:fld>
             <a:endParaRPr lang="en-US"/>
           </a:p>
@@ -6554,7 +6555,7 @@
           <a:p>
             <a:fld id="{4FEA7546-2094-4C45-85F9-9EB65BD31E91}" type="datetime1">
               <a:rPr lang="en-US" smtClean="0"/>
-              <a:t>7/30/2025</a:t>
+              <a:t>8/17/2025</a:t>
             </a:fld>
             <a:endParaRPr lang="en-US"/>
           </a:p>
@@ -6868,7 +6869,7 @@
           <a:p>
             <a:fld id="{3E795C57-E3D2-421F-B6A8-ACA50BBCED8F}" type="datetime1">
               <a:rPr lang="en-US" smtClean="0"/>
-              <a:t>7/30/2025</a:t>
+              <a:t>8/17/2025</a:t>
             </a:fld>
             <a:endParaRPr lang="en-US"/>
           </a:p>
@@ -7261,7 +7262,7 @@
           <a:p>
             <a:fld id="{914A9227-2AAE-4723-9381-24BB9FC343F3}" type="datetime1">
               <a:rPr lang="en-US" smtClean="0"/>
-              <a:t>7/30/2025</a:t>
+              <a:t>8/17/2025</a:t>
             </a:fld>
             <a:endParaRPr lang="en-US"/>
           </a:p>
@@ -7431,7 +7432,7 @@
           <a:p>
             <a:fld id="{0D1BF943-A802-4CD5-AD8D-4E2FD18F0252}" type="datetime1">
               <a:rPr lang="en-US" smtClean="0"/>
-              <a:t>7/30/2025</a:t>
+              <a:t>8/17/2025</a:t>
             </a:fld>
             <a:endParaRPr lang="en-US"/>
           </a:p>
@@ -7611,7 +7612,7 @@
           <a:p>
             <a:fld id="{76A848B0-663D-4198-B1E0-5F26FFC6CE17}" type="datetime1">
               <a:rPr lang="en-US" smtClean="0"/>
-              <a:t>7/30/2025</a:t>
+              <a:t>8/17/2025</a:t>
             </a:fld>
             <a:endParaRPr lang="en-US"/>
           </a:p>
@@ -7781,7 +7782,7 @@
           <a:p>
             <a:fld id="{0161B0AA-141B-4C4A-85BB-7A4CE7F2510E}" type="datetime1">
               <a:rPr lang="en-US" smtClean="0"/>
-              <a:t>7/30/2025</a:t>
+              <a:t>8/17/2025</a:t>
             </a:fld>
             <a:endParaRPr lang="en-US"/>
           </a:p>
@@ -8028,7 +8029,7 @@
           <a:p>
             <a:fld id="{A41CC9A4-745D-4645-9964-DEDB059ECF22}" type="datetime1">
               <a:rPr lang="en-US" smtClean="0"/>
-              <a:t>7/30/2025</a:t>
+              <a:t>8/17/2025</a:t>
             </a:fld>
             <a:endParaRPr lang="en-US"/>
           </a:p>
@@ -8325,7 +8326,7 @@
           <a:p>
             <a:fld id="{4CF314F8-7DA4-4E40-88DB-5604CEAC6BC7}" type="datetime1">
               <a:rPr lang="en-US" smtClean="0"/>
-              <a:t>7/30/2025</a:t>
+              <a:t>8/17/2025</a:t>
             </a:fld>
             <a:endParaRPr lang="en-US"/>
           </a:p>
@@ -8704,7 +8705,7 @@
           <a:p>
             <a:fld id="{AD2B0E98-9297-4160-BB81-7AA9EA2E2068}" type="datetime1">
               <a:rPr lang="en-US" smtClean="0"/>
-              <a:t>7/30/2025</a:t>
+              <a:t>8/17/2025</a:t>
             </a:fld>
             <a:endParaRPr lang="en-US"/>
           </a:p>
@@ -8827,7 +8828,7 @@
           <a:p>
             <a:fld id="{25100507-9B17-4250-B827-EF9F533F1CD1}" type="datetime1">
               <a:rPr lang="en-US" smtClean="0"/>
-              <a:t>7/30/2025</a:t>
+              <a:t>8/17/2025</a:t>
             </a:fld>
             <a:endParaRPr lang="en-US"/>
           </a:p>
@@ -8922,7 +8923,7 @@
           <a:p>
             <a:fld id="{A210C0EB-B0BE-4F90-AA47-B8BC78B2459C}" type="datetime1">
               <a:rPr lang="en-US" smtClean="0"/>
-              <a:t>7/30/2025</a:t>
+              <a:t>8/17/2025</a:t>
             </a:fld>
             <a:endParaRPr lang="en-US"/>
           </a:p>
@@ -9177,7 +9178,7 @@
           <a:p>
             <a:fld id="{44606A07-7EDE-4148-B0A4-AB5EB8C8B795}" type="datetime1">
               <a:rPr lang="en-US" smtClean="0"/>
-              <a:t>7/30/2025</a:t>
+              <a:t>8/17/2025</a:t>
             </a:fld>
             <a:endParaRPr lang="en-US"/>
           </a:p>
@@ -9440,7 +9441,7 @@
           <a:p>
             <a:fld id="{A1123C54-5CE0-4215-8ABD-00B7ACE85B3C}" type="datetime1">
               <a:rPr lang="en-US" smtClean="0"/>
-              <a:t>7/30/2025</a:t>
+              <a:t>8/17/2025</a:t>
             </a:fld>
             <a:endParaRPr lang="en-US"/>
           </a:p>
@@ -10254,7 +10255,7 @@
           <a:p>
             <a:fld id="{64EBE655-055F-4152-9D60-3FC72524143F}" type="datetime1">
               <a:rPr lang="en-US" smtClean="0"/>
-              <a:t>7/30/2025</a:t>
+              <a:t>8/17/2025</a:t>
             </a:fld>
             <a:endParaRPr lang="en-US"/>
           </a:p>
@@ -25639,6 +25640,90 @@
     <p:extLst>
       <p:ext uri="{BB962C8B-B14F-4D97-AF65-F5344CB8AC3E}">
         <p14:creationId xmlns:p14="http://schemas.microsoft.com/office/powerpoint/2010/main" val="3385436354"/>
+      </p:ext>
+    </p:extLst>
+  </p:cSld>
+  <p:clrMapOvr>
+    <a:masterClrMapping/>
+  </p:clrMapOvr>
+</p:sld>
+</file>
+
+<file path=ppt/slides/slide34.xml><?xml version="1.0" encoding="utf-8"?>
+<p:sld xmlns:a="http://schemas.openxmlformats.org/drawingml/2006/main" xmlns:r="http://schemas.openxmlformats.org/officeDocument/2006/relationships" xmlns:p="http://schemas.openxmlformats.org/presentationml/2006/main">
+  <p:cSld>
+    <p:spTree>
+      <p:nvGrpSpPr>
+        <p:cNvPr id="1" name=""/>
+        <p:cNvGrpSpPr/>
+        <p:nvPr/>
+      </p:nvGrpSpPr>
+      <p:grpSpPr>
+        <a:xfrm>
+          <a:off x="0" y="0"/>
+          <a:ext cx="0" cy="0"/>
+          <a:chOff x="0" y="0"/>
+          <a:chExt cx="0" cy="0"/>
+        </a:xfrm>
+      </p:grpSpPr>
+      <p:sp>
+        <p:nvSpPr>
+          <p:cNvPr id="4" name="Rectangle 3">
+            <a:extLst>
+              <a:ext uri="{FF2B5EF4-FFF2-40B4-BE49-F238E27FC236}">
+                <a16:creationId xmlns:a16="http://schemas.microsoft.com/office/drawing/2014/main" id="{BB91D3D3-9DEB-D682-DB02-4335A58F30C0}"/>
+              </a:ext>
+            </a:extLst>
+          </p:cNvPr>
+          <p:cNvSpPr/>
+          <p:nvPr/>
+        </p:nvSpPr>
+        <p:spPr>
+          <a:xfrm>
+            <a:off x="2805684" y="2967335"/>
+            <a:ext cx="3532634" cy="923330"/>
+          </a:xfrm>
+          <a:prstGeom prst="rect">
+            <a:avLst/>
+          </a:prstGeom>
+          <a:noFill/>
+        </p:spPr>
+        <p:txBody>
+          <a:bodyPr wrap="none" lIns="91440" tIns="45720" rIns="91440" bIns="45720">
+            <a:spAutoFit/>
+          </a:bodyPr>
+          <a:lstStyle/>
+          <a:p>
+            <a:pPr algn="ctr"/>
+            <a:r>
+              <a:rPr lang="en-US" sz="5400" b="1" dirty="0">
+                <a:ln w="13462">
+                  <a:solidFill>
+                    <a:schemeClr val="bg1"/>
+                  </a:solidFill>
+                  <a:prstDash val="solid"/>
+                </a:ln>
+                <a:solidFill>
+                  <a:schemeClr val="tx1">
+                    <a:lumMod val="85000"/>
+                    <a:lumOff val="15000"/>
+                  </a:schemeClr>
+                </a:solidFill>
+                <a:effectLst>
+                  <a:outerShdw dist="38100" dir="2700000" algn="bl" rotWithShape="0">
+                    <a:schemeClr val="accent5"/>
+                  </a:outerShdw>
+                </a:effectLst>
+              </a:rPr>
+              <a:t>Thank You</a:t>
+            </a:r>
+          </a:p>
+        </p:txBody>
+      </p:sp>
+    </p:spTree>
+    <p:extLst>
+      <p:ext uri="{BB962C8B-B14F-4D97-AF65-F5344CB8AC3E}">
+        <p14:creationId xmlns:p14="http://schemas.microsoft.com/office/powerpoint/2010/main" val="3457344721"/>
       </p:ext>
     </p:extLst>
   </p:cSld>
